--- a/Predicting consumer behavior with Web search_Luoye.pptx
+++ b/Predicting consumer behavior with Web search_Luoye.pptx
@@ -114,6 +114,11 @@
       </a:defRPr>
     </a:lvl9pPr>
   </p:defaultTextStyle>
+  <p:extLst>
+    <p:ext uri="{EFAFB233-063F-42B5-8137-9DF3F51BA10A}">
+      <p15:sldGuideLst xmlns:p15="http://schemas.microsoft.com/office/powerpoint/2012/main"/>
+    </p:ext>
+  </p:extLst>
 </p:presentation>
 </file>
 
@@ -3376,6 +3381,13 @@
   <p:clrMapOvr>
     <a:masterClrMapping/>
   </p:clrMapOvr>
+  <p:timing>
+    <p:tnLst>
+      <p:par>
+        <p:cTn id="1" dur="indefinite" restart="never" nodeType="tmRoot"/>
+      </p:par>
+    </p:tnLst>
+  </p:timing>
 </p:sld>
 </file>
 
@@ -3533,36 +3545,28 @@
               <a:rPr lang="en-US" dirty="0" smtClean="0"/>
               <a:t>1. How can prediction method help economic studies?</a:t>
             </a:r>
-            <a:endParaRPr lang="en-US" dirty="0"/>
           </a:p>
           <a:p>
             <a:r>
               <a:rPr lang="en-US" dirty="0" smtClean="0"/>
-              <a:t>2. </a:t>
-            </a:r>
-            <a:r>
-              <a:rPr lang="en-US" dirty="0"/>
-              <a:t>Small data </a:t>
-            </a:r>
-            <a:r>
-              <a:rPr lang="en-US" dirty="0" err="1"/>
+              <a:t>2. Small data </a:t>
+            </a:r>
+            <a:r>
+              <a:rPr lang="en-US" dirty="0" err="1" smtClean="0"/>
               <a:t>v.s</a:t>
             </a:r>
             <a:r>
-              <a:rPr lang="en-US" dirty="0"/>
-              <a:t>. Big </a:t>
-            </a:r>
-            <a:r>
               <a:rPr lang="en-US" dirty="0" smtClean="0"/>
-              <a:t>data</a:t>
+              <a:t>. Big data</a:t>
             </a:r>
           </a:p>
           <a:p>
             <a:pPr lvl="1"/>
             <a:r>
               <a:rPr lang="en-US" dirty="0" smtClean="0"/>
-              <a:t>Google Flue Trend: </a:t>
-            </a:r>
+              <a:t>Google Flu Trend Model: </a:t>
+            </a:r>
+            <a:endParaRPr lang="en-US" dirty="0" smtClean="0"/>
           </a:p>
           <a:p>
             <a:pPr lvl="2"/>
@@ -3750,6 +3754,13 @@
   <p:clrMapOvr>
     <a:masterClrMapping/>
   </p:clrMapOvr>
+  <p:timing>
+    <p:tnLst>
+      <p:par>
+        <p:cTn id="1" dur="indefinite" restart="never" nodeType="tmRoot"/>
+      </p:par>
+    </p:tnLst>
+  </p:timing>
 </p:sld>
 </file>
 
@@ -3822,7 +3833,19 @@
           <a:p>
             <a:r>
               <a:rPr lang="en-US" sz="2000" b="1" dirty="0" smtClean="0"/>
-              <a:t>Limitation of conventional methods/data/approaches:</a:t>
+              <a:t>Limitation of conventional </a:t>
+            </a:r>
+            <a:r>
+              <a:rPr lang="en-US" sz="2000" b="1" dirty="0" smtClean="0"/>
+              <a:t>prediction </a:t>
+            </a:r>
+            <a:r>
+              <a:rPr lang="en-US" sz="2000" b="1" dirty="0" smtClean="0"/>
+              <a:t>methods/approaches</a:t>
+            </a:r>
+            <a:r>
+              <a:rPr lang="en-US" sz="2000" b="1" dirty="0" smtClean="0"/>
+              <a:t>:</a:t>
             </a:r>
           </a:p>
           <a:p>
@@ -3891,6 +3914,13 @@
   <p:clrMapOvr>
     <a:masterClrMapping/>
   </p:clrMapOvr>
+  <p:timing>
+    <p:tnLst>
+      <p:par>
+        <p:cTn id="1" dur="indefinite" restart="never" nodeType="tmRoot"/>
+      </p:par>
+    </p:tnLst>
+  </p:timing>
 </p:sld>
 </file>
 
@@ -4015,6 +4045,13 @@
   <p:clrMapOvr>
     <a:masterClrMapping/>
   </p:clrMapOvr>
+  <p:timing>
+    <p:tnLst>
+      <p:par>
+        <p:cTn id="1" dur="indefinite" restart="never" nodeType="tmRoot"/>
+      </p:par>
+    </p:tnLst>
+  </p:timing>
 </p:sld>
 </file>
 
@@ -4658,6 +4695,13 @@
   <p:clrMapOvr>
     <a:masterClrMapping/>
   </p:clrMapOvr>
+  <p:timing>
+    <p:tnLst>
+      <p:par>
+        <p:cTn id="1" dur="indefinite" restart="never" nodeType="tmRoot"/>
+      </p:par>
+    </p:tnLst>
+  </p:timing>
 </p:sld>
 </file>
 
@@ -4749,7 +4793,11 @@
             <a:endParaRPr lang="en-US" dirty="0"/>
           </a:p>
           <a:p>
-            <a:endParaRPr lang="en-US" dirty="0"/>
+            <a:r>
+              <a:rPr lang="en-US" sz="1600" b="1" dirty="0" smtClean="0"/>
+              <a:t>Level-one-out estimation</a:t>
+            </a:r>
+            <a:endParaRPr lang="en-US" sz="1600" b="1" dirty="0"/>
           </a:p>
         </p:txBody>
       </p:sp>
@@ -4763,6 +4811,13 @@
   <p:clrMapOvr>
     <a:masterClrMapping/>
   </p:clrMapOvr>
+  <p:timing>
+    <p:tnLst>
+      <p:par>
+        <p:cTn id="1" dur="indefinite" restart="never" nodeType="tmRoot"/>
+      </p:par>
+    </p:tnLst>
+  </p:timing>
 </p:sld>
 </file>
 
@@ -5376,6 +5431,13 @@
   <p:clrMapOvr>
     <a:masterClrMapping/>
   </p:clrMapOvr>
+  <p:timing>
+    <p:tnLst>
+      <p:par>
+        <p:cTn id="1" dur="indefinite" restart="never" nodeType="tmRoot"/>
+      </p:par>
+    </p:tnLst>
+  </p:timing>
 </p:sld>
 </file>
 
